--- a/LMS Presentation.pptx
+++ b/LMS Presentation.pptx
@@ -113,6 +113,11 @@
       </a:defRPr>
     </a:lvl9pPr>
   </p:defaultTextStyle>
+  <p:extLst>
+    <p:ext uri="{EFAFB233-063F-42B5-8137-9DF3F51BA10A}">
+      <p15:sldGuideLst xmlns:p15="http://schemas.microsoft.com/office/powerpoint/2012/main"/>
+    </p:ext>
+  </p:extLst>
 </p:presentation>
 </file>
 
@@ -342,7 +347,7 @@
           <a:p>
             <a:fld id="{9B11D6FE-2E44-4F1F-A648-C1712B73FC8D}" type="datetimeFigureOut">
               <a:rPr lang="en-US" smtClean="0"/>
-              <a:t>3/20/2019</a:t>
+              <a:t>4/25/2019</a:t>
             </a:fld>
             <a:endParaRPr lang="en-US"/>
           </a:p>
@@ -550,7 +555,7 @@
           <a:p>
             <a:fld id="{9B11D6FE-2E44-4F1F-A648-C1712B73FC8D}" type="datetimeFigureOut">
               <a:rPr lang="en-US" smtClean="0"/>
-              <a:t>3/20/2019</a:t>
+              <a:t>4/25/2019</a:t>
             </a:fld>
             <a:endParaRPr lang="en-US"/>
           </a:p>
@@ -806,7 +811,7 @@
           <a:p>
             <a:fld id="{9B11D6FE-2E44-4F1F-A648-C1712B73FC8D}" type="datetimeFigureOut">
               <a:rPr lang="en-US" smtClean="0"/>
-              <a:t>3/20/2019</a:t>
+              <a:t>4/25/2019</a:t>
             </a:fld>
             <a:endParaRPr lang="en-US"/>
           </a:p>
@@ -980,7 +985,7 @@
           <a:p>
             <a:fld id="{9B11D6FE-2E44-4F1F-A648-C1712B73FC8D}" type="datetimeFigureOut">
               <a:rPr lang="en-US" smtClean="0"/>
-              <a:t>3/20/2019</a:t>
+              <a:t>4/25/2019</a:t>
             </a:fld>
             <a:endParaRPr lang="en-US"/>
           </a:p>
@@ -1323,7 +1328,7 @@
           <a:p>
             <a:fld id="{9B11D6FE-2E44-4F1F-A648-C1712B73FC8D}" type="datetimeFigureOut">
               <a:rPr lang="en-US" smtClean="0"/>
-              <a:t>3/20/2019</a:t>
+              <a:t>4/25/2019</a:t>
             </a:fld>
             <a:endParaRPr lang="en-US"/>
           </a:p>
@@ -1598,7 +1603,7 @@
           <a:p>
             <a:fld id="{9B11D6FE-2E44-4F1F-A648-C1712B73FC8D}" type="datetimeFigureOut">
               <a:rPr lang="en-US" smtClean="0"/>
-              <a:t>3/20/2019</a:t>
+              <a:t>4/25/2019</a:t>
             </a:fld>
             <a:endParaRPr lang="en-US"/>
           </a:p>
@@ -1977,7 +1982,7 @@
           <a:p>
             <a:fld id="{9B11D6FE-2E44-4F1F-A648-C1712B73FC8D}" type="datetimeFigureOut">
               <a:rPr lang="en-US" smtClean="0"/>
-              <a:t>3/20/2019</a:t>
+              <a:t>4/25/2019</a:t>
             </a:fld>
             <a:endParaRPr lang="en-US"/>
           </a:p>
@@ -2095,7 +2100,7 @@
           <a:p>
             <a:fld id="{9B11D6FE-2E44-4F1F-A648-C1712B73FC8D}" type="datetimeFigureOut">
               <a:rPr lang="en-US" smtClean="0"/>
-              <a:t>3/20/2019</a:t>
+              <a:t>4/25/2019</a:t>
             </a:fld>
             <a:endParaRPr lang="en-US"/>
           </a:p>
@@ -2266,7 +2271,7 @@
           <a:p>
             <a:fld id="{9B11D6FE-2E44-4F1F-A648-C1712B73FC8D}" type="datetimeFigureOut">
               <a:rPr lang="en-US" smtClean="0"/>
-              <a:t>3/20/2019</a:t>
+              <a:t>4/25/2019</a:t>
             </a:fld>
             <a:endParaRPr lang="en-US"/>
           </a:p>
@@ -2620,7 +2625,7 @@
           <a:p>
             <a:fld id="{9B11D6FE-2E44-4F1F-A648-C1712B73FC8D}" type="datetimeFigureOut">
               <a:rPr lang="en-US" smtClean="0"/>
-              <a:t>3/20/2019</a:t>
+              <a:t>4/25/2019</a:t>
             </a:fld>
             <a:endParaRPr lang="en-US"/>
           </a:p>
@@ -3002,7 +3007,7 @@
           <a:p>
             <a:fld id="{9B11D6FE-2E44-4F1F-A648-C1712B73FC8D}" type="datetimeFigureOut">
               <a:rPr lang="en-US" smtClean="0"/>
-              <a:t>3/20/2019</a:t>
+              <a:t>4/25/2019</a:t>
             </a:fld>
             <a:endParaRPr lang="en-US"/>
           </a:p>
@@ -3289,7 +3294,7 @@
           <a:p>
             <a:fld id="{9B11D6FE-2E44-4F1F-A648-C1712B73FC8D}" type="datetimeFigureOut">
               <a:rPr lang="en-US" smtClean="0"/>
-              <a:t>3/20/2019</a:t>
+              <a:t>4/25/2019</a:t>
             </a:fld>
             <a:endParaRPr lang="en-US"/>
           </a:p>
@@ -3958,7 +3963,7 @@
           <a:p>
             <a:r>
               <a:rPr lang="en-US" dirty="0"/>
-              <a:t>Future Plans</a:t>
+              <a:t>Execution</a:t>
             </a:r>
           </a:p>
         </p:txBody>
@@ -3984,40 +3989,6 @@
           <a:bodyPr/>
           <a:lstStyle/>
           <a:p>
-            <a:pPr>
-              <a:buFont typeface="Wingdings" panose="05000000000000000000" pitchFamily="2" charset="2"/>
-              <a:buChar char="Ø"/>
-            </a:pPr>
-            <a:endParaRPr lang="en-US" dirty="0"/>
-          </a:p>
-          <a:p>
-            <a:pPr>
-              <a:buFont typeface="Wingdings" panose="05000000000000000000" pitchFamily="2" charset="2"/>
-              <a:buChar char="Ø"/>
-            </a:pPr>
-            <a:endParaRPr lang="en-US" dirty="0"/>
-          </a:p>
-          <a:p>
-            <a:pPr>
-              <a:buFont typeface="Wingdings" panose="05000000000000000000" pitchFamily="2" charset="2"/>
-              <a:buChar char="Ø"/>
-            </a:pPr>
-            <a:r>
-              <a:rPr lang="en-US" sz="2400" dirty="0"/>
-              <a:t>Implementation of project</a:t>
-            </a:r>
-          </a:p>
-          <a:p>
-            <a:pPr lvl="1">
-              <a:buFont typeface="Wingdings" panose="05000000000000000000" pitchFamily="2" charset="2"/>
-              <a:buChar char="Ø"/>
-            </a:pPr>
-            <a:r>
-              <a:rPr lang="en-US" sz="2400" dirty="0"/>
-              <a:t>Coding in Visual Studio using C# language</a:t>
-            </a:r>
-          </a:p>
-          <a:p>
             <a:pPr lvl="1">
               <a:buFont typeface="Wingdings" panose="05000000000000000000" pitchFamily="2" charset="2"/>
               <a:buChar char="Ø"/>
@@ -4031,7 +4002,17 @@
             </a:pPr>
             <a:r>
               <a:rPr lang="en-US" sz="2400" dirty="0"/>
-              <a:t>Final Presentation</a:t>
+              <a:t>Project coded in C# using Visual Studio Window Form Application</a:t>
+            </a:r>
+          </a:p>
+          <a:p>
+            <a:pPr>
+              <a:buFont typeface="Wingdings" panose="05000000000000000000" pitchFamily="2" charset="2"/>
+              <a:buChar char="Ø"/>
+            </a:pPr>
+            <a:r>
+              <a:rPr lang="en-US" sz="2400" dirty="0"/>
+              <a:t>Used Microsoft SQL Server 2017 RDBMS for Database </a:t>
             </a:r>
           </a:p>
         </p:txBody>

--- a/LMS Presentation.pptx
+++ b/LMS Presentation.pptx
@@ -6,15 +6,17 @@
   </p:sldMasterIdLst>
   <p:sldIdLst>
     <p:sldId id="256" r:id="rId2"/>
-    <p:sldId id="265" r:id="rId3"/>
-    <p:sldId id="257" r:id="rId4"/>
-    <p:sldId id="258" r:id="rId5"/>
-    <p:sldId id="259" r:id="rId6"/>
-    <p:sldId id="263" r:id="rId7"/>
-    <p:sldId id="260" r:id="rId8"/>
-    <p:sldId id="262" r:id="rId9"/>
-    <p:sldId id="261" r:id="rId10"/>
-    <p:sldId id="264" r:id="rId11"/>
+    <p:sldId id="257" r:id="rId3"/>
+    <p:sldId id="266" r:id="rId4"/>
+    <p:sldId id="265" r:id="rId5"/>
+    <p:sldId id="267" r:id="rId6"/>
+    <p:sldId id="258" r:id="rId7"/>
+    <p:sldId id="259" r:id="rId8"/>
+    <p:sldId id="263" r:id="rId9"/>
+    <p:sldId id="260" r:id="rId10"/>
+    <p:sldId id="262" r:id="rId11"/>
+    <p:sldId id="261" r:id="rId12"/>
+    <p:sldId id="264" r:id="rId13"/>
   </p:sldIdLst>
   <p:sldSz cx="12192000" cy="6858000"/>
   <p:notesSz cx="6858000" cy="9144000"/>
@@ -3804,6 +3806,37 @@
 <file path=ppt/slides/slide1.xml><?xml version="1.0" encoding="utf-8"?>
 <p:sld xmlns:a="http://schemas.openxmlformats.org/drawingml/2006/main" xmlns:r="http://schemas.openxmlformats.org/officeDocument/2006/relationships" xmlns:p="http://schemas.openxmlformats.org/presentationml/2006/main">
   <p:cSld>
+    <p:bg>
+      <p:bgPr>
+        <a:gradFill rotWithShape="1">
+          <a:gsLst>
+            <a:gs pos="0">
+              <a:schemeClr val="bg2">
+                <a:tint val="96000"/>
+                <a:shade val="99000"/>
+                <a:satMod val="140000"/>
+              </a:schemeClr>
+            </a:gs>
+            <a:gs pos="65000">
+              <a:schemeClr val="bg2">
+                <a:tint val="100000"/>
+                <a:shade val="80000"/>
+                <a:satMod val="130000"/>
+              </a:schemeClr>
+            </a:gs>
+            <a:gs pos="100000">
+              <a:schemeClr val="bg2">
+                <a:tint val="100000"/>
+                <a:shade val="48000"/>
+                <a:satMod val="120000"/>
+              </a:schemeClr>
+            </a:gs>
+          </a:gsLst>
+          <a:lin ang="16200000" scaled="0"/>
+        </a:gradFill>
+        <a:effectLst/>
+      </p:bgPr>
+    </p:bg>
     <p:spTree>
       <p:nvGrpSpPr>
         <p:cNvPr id="1" name=""/>
@@ -3818,6 +3851,176 @@
           <a:chExt cx="0" cy="0"/>
         </a:xfrm>
       </p:grpSpPr>
+      <p:sp useBgFill="1">
+        <p:nvSpPr>
+          <p:cNvPr id="8" name="Rectangle 7">
+            <a:extLst>
+              <a:ext uri="{FF2B5EF4-FFF2-40B4-BE49-F238E27FC236}">
+                <a16:creationId xmlns:a16="http://schemas.microsoft.com/office/drawing/2014/main" id="{FBDCECDC-EEE3-4128-AA5E-82A8C08796E8}"/>
+              </a:ext>
+              <a:ext uri="{C183D7F6-B498-43B3-948B-1728B52AA6E4}">
+                <adec:decorative xmlns:adec="http://schemas.microsoft.com/office/drawing/2017/decorative" val="1"/>
+              </a:ext>
+            </a:extLst>
+          </p:cNvPr>
+          <p:cNvSpPr>
+            <a:spLocks noGrp="1" noRot="1" noChangeAspect="1" noMove="1" noResize="1" noEditPoints="1" noAdjustHandles="1" noChangeArrowheads="1" noChangeShapeType="1" noTextEdit="1"/>
+          </p:cNvSpPr>
+          <p:nvPr>
+            <p:extLst>
+              <p:ext uri="{386F3935-93C4-4BCD-93E2-E3B085C9AB24}">
+                <p16:designElem xmlns:p16="http://schemas.microsoft.com/office/powerpoint/2015/main" val="1"/>
+              </p:ext>
+            </p:extLst>
+          </p:nvPr>
+        </p:nvSpPr>
+        <p:spPr>
+          <a:xfrm>
+            <a:off x="1507" y="0"/>
+            <a:ext cx="12192000" cy="6858000"/>
+          </a:xfrm>
+          <a:prstGeom prst="rect">
+            <a:avLst/>
+          </a:prstGeom>
+          <a:ln>
+            <a:noFill/>
+          </a:ln>
+        </p:spPr>
+        <p:style>
+          <a:lnRef idx="2">
+            <a:schemeClr val="accent1">
+              <a:shade val="50000"/>
+            </a:schemeClr>
+          </a:lnRef>
+          <a:fillRef idx="1">
+            <a:schemeClr val="accent1"/>
+          </a:fillRef>
+          <a:effectRef idx="0">
+            <a:schemeClr val="accent1"/>
+          </a:effectRef>
+          <a:fontRef idx="minor">
+            <a:schemeClr val="lt1"/>
+          </a:fontRef>
+        </p:style>
+        <p:txBody>
+          <a:bodyPr rtlCol="0" anchor="ctr"/>
+          <a:lstStyle/>
+          <a:p>
+            <a:pPr algn="ctr"/>
+            <a:endParaRPr lang="en-US"/>
+          </a:p>
+        </p:txBody>
+      </p:sp>
+      <p:sp>
+        <p:nvSpPr>
+          <p:cNvPr id="10" name="Rectangle 9">
+            <a:extLst>
+              <a:ext uri="{FF2B5EF4-FFF2-40B4-BE49-F238E27FC236}">
+                <a16:creationId xmlns:a16="http://schemas.microsoft.com/office/drawing/2014/main" id="{4260EDE0-989C-4E16-AF94-F652294D828E}"/>
+              </a:ext>
+              <a:ext uri="{C183D7F6-B498-43B3-948B-1728B52AA6E4}">
+                <adec:decorative xmlns:adec="http://schemas.microsoft.com/office/drawing/2017/decorative" val="1"/>
+              </a:ext>
+            </a:extLst>
+          </p:cNvPr>
+          <p:cNvSpPr>
+            <a:spLocks noGrp="1" noRot="1" noChangeAspect="1" noMove="1" noResize="1" noEditPoints="1" noAdjustHandles="1" noChangeArrowheads="1" noChangeShapeType="1" noTextEdit="1"/>
+          </p:cNvSpPr>
+          <p:nvPr>
+            <p:extLst>
+              <p:ext uri="{386F3935-93C4-4BCD-93E2-E3B085C9AB24}">
+                <p16:designElem xmlns:p16="http://schemas.microsoft.com/office/powerpoint/2015/main" val="1"/>
+              </p:ext>
+            </p:extLst>
+          </p:nvPr>
+        </p:nvSpPr>
+        <p:spPr bwMode="white">
+          <a:xfrm>
+            <a:off x="1507" y="4953000"/>
+            <a:ext cx="12188952" cy="1905000"/>
+          </a:xfrm>
+          <a:prstGeom prst="rect">
+            <a:avLst/>
+          </a:prstGeom>
+          <a:solidFill>
+            <a:schemeClr val="accent2"/>
+          </a:solidFill>
+          <a:ln>
+            <a:noFill/>
+          </a:ln>
+        </p:spPr>
+        <p:style>
+          <a:lnRef idx="2">
+            <a:schemeClr val="accent1">
+              <a:shade val="50000"/>
+            </a:schemeClr>
+          </a:lnRef>
+          <a:fillRef idx="1">
+            <a:schemeClr val="accent1"/>
+          </a:fillRef>
+          <a:effectRef idx="0">
+            <a:schemeClr val="accent1"/>
+          </a:effectRef>
+          <a:fontRef idx="minor">
+            <a:schemeClr val="lt1"/>
+          </a:fontRef>
+        </p:style>
+      </p:sp>
+      <p:sp>
+        <p:nvSpPr>
+          <p:cNvPr id="12" name="Rectangle 11">
+            <a:extLst>
+              <a:ext uri="{FF2B5EF4-FFF2-40B4-BE49-F238E27FC236}">
+                <a16:creationId xmlns:a16="http://schemas.microsoft.com/office/drawing/2014/main" id="{1F3985C0-E548-44D2-B30E-F3E42DADE133}"/>
+              </a:ext>
+              <a:ext uri="{C183D7F6-B498-43B3-948B-1728B52AA6E4}">
+                <adec:decorative xmlns:adec="http://schemas.microsoft.com/office/drawing/2017/decorative" val="1"/>
+              </a:ext>
+            </a:extLst>
+          </p:cNvPr>
+          <p:cNvSpPr>
+            <a:spLocks noGrp="1" noRot="1" noChangeAspect="1" noMove="1" noResize="1" noEditPoints="1" noAdjustHandles="1" noChangeArrowheads="1" noChangeShapeType="1" noTextEdit="1"/>
+          </p:cNvSpPr>
+          <p:nvPr>
+            <p:extLst>
+              <p:ext uri="{386F3935-93C4-4BCD-93E2-E3B085C9AB24}">
+                <p16:designElem xmlns:p16="http://schemas.microsoft.com/office/powerpoint/2015/main" val="1"/>
+              </p:ext>
+            </p:extLst>
+          </p:nvPr>
+        </p:nvSpPr>
+        <p:spPr>
+          <a:xfrm>
+            <a:off x="1507" y="0"/>
+            <a:ext cx="12188952" cy="4970184"/>
+          </a:xfrm>
+          <a:prstGeom prst="rect">
+            <a:avLst/>
+          </a:prstGeom>
+          <a:solidFill>
+            <a:schemeClr val="accent1"/>
+          </a:solidFill>
+          <a:ln>
+            <a:noFill/>
+          </a:ln>
+        </p:spPr>
+        <p:style>
+          <a:lnRef idx="2">
+            <a:schemeClr val="accent1">
+              <a:shade val="50000"/>
+            </a:schemeClr>
+          </a:lnRef>
+          <a:fillRef idx="1">
+            <a:schemeClr val="accent1"/>
+          </a:fillRef>
+          <a:effectRef idx="0">
+            <a:schemeClr val="accent1"/>
+          </a:effectRef>
+          <a:fontRef idx="minor">
+            <a:schemeClr val="lt1"/>
+          </a:fontRef>
+        </p:style>
+      </p:sp>
       <p:sp>
         <p:nvSpPr>
           <p:cNvPr id="2" name="Title 1">
@@ -3834,20 +4037,39 @@
             <p:ph type="ctrTitle"/>
           </p:nvPr>
         </p:nvSpPr>
-        <p:spPr/>
-        <p:txBody>
-          <a:bodyPr/>
+        <p:spPr>
+          <a:xfrm>
+            <a:off x="1097280" y="758952"/>
+            <a:ext cx="10058400" cy="3892168"/>
+          </a:xfrm>
+        </p:spPr>
+        <p:txBody>
+          <a:bodyPr>
+            <a:normAutofit/>
+          </a:bodyPr>
           <a:lstStyle/>
           <a:p>
             <a:r>
-              <a:rPr lang="en-US" dirty="0"/>
-              <a:t>UHD Learn ++</a:t>
+              <a:rPr lang="en-US">
+                <a:solidFill>
+                  <a:srgbClr val="FFFFFF"/>
+                </a:solidFill>
+              </a:rPr>
+              <a:t>#UHD Learn </a:t>
             </a:r>
             <a:br>
-              <a:rPr lang="en-US" dirty="0"/>
+              <a:rPr lang="en-US">
+                <a:solidFill>
+                  <a:srgbClr val="FFFFFF"/>
+                </a:solidFill>
+              </a:rPr>
             </a:br>
             <a:r>
-              <a:rPr lang="en-US" sz="6000" dirty="0"/>
+              <a:rPr lang="en-US">
+                <a:solidFill>
+                  <a:srgbClr val="FFFFFF"/>
+                </a:solidFill>
+              </a:rPr>
               <a:t>Learning Management System</a:t>
             </a:r>
           </a:p>
@@ -3869,44 +4091,26 @@
             <p:ph type="subTitle" idx="1"/>
           </p:nvPr>
         </p:nvSpPr>
-        <p:spPr/>
-        <p:txBody>
-          <a:bodyPr/>
+        <p:spPr>
+          <a:xfrm>
+            <a:off x="1100051" y="5225240"/>
+            <a:ext cx="10058400" cy="1143000"/>
+          </a:xfrm>
+        </p:spPr>
+        <p:txBody>
+          <a:bodyPr>
+            <a:normAutofit/>
+          </a:bodyPr>
           <a:lstStyle/>
           <a:p>
             <a:r>
-              <a:rPr lang="en-US" dirty="0"/>
-              <a:t>By: Andrew Truong, Daniel </a:t>
-            </a:r>
-            <a:r>
-              <a:rPr lang="en-US" dirty="0" err="1"/>
-              <a:t>fabela</a:t>
-            </a:r>
-            <a:r>
-              <a:rPr lang="en-US" dirty="0"/>
-              <a:t>, Eduardo </a:t>
-            </a:r>
-            <a:r>
-              <a:rPr lang="en-US" dirty="0" err="1"/>
-              <a:t>rojas</a:t>
-            </a:r>
-            <a:r>
-              <a:rPr lang="en-US" dirty="0"/>
-              <a:t>, hung </a:t>
-            </a:r>
-            <a:r>
-              <a:rPr lang="en-US" dirty="0" err="1"/>
-              <a:t>ly</a:t>
-            </a:r>
-            <a:r>
-              <a:rPr lang="en-US" dirty="0"/>
-              <a:t>, Sumanth </a:t>
-            </a:r>
-            <a:r>
-              <a:rPr lang="en-US" dirty="0" err="1"/>
-              <a:t>pisipati</a:t>
-            </a:r>
-            <a:endParaRPr lang="en-US" dirty="0"/>
+              <a:rPr lang="en-US">
+                <a:solidFill>
+                  <a:srgbClr val="FFFFFF"/>
+                </a:solidFill>
+              </a:rPr>
+              <a:t>By: Andrew Truong, Daniel fabela, Eduardo rojas, hung ly, Sumanth pisipati</a:t>
+            </a:r>
           </a:p>
         </p:txBody>
       </p:sp>
@@ -3918,7 +4122,7 @@
     </p:extLst>
   </p:cSld>
   <p:clrMapOvr>
-    <a:masterClrMapping/>
+    <a:overrideClrMapping bg1="dk1" tx1="lt1" bg2="dk2" tx2="lt2" accent1="accent1" accent2="accent2" accent3="accent3" accent4="accent4" accent5="accent5" accent6="accent6" hlink="hlink" folHlink="folHlink"/>
   </p:clrMapOvr>
 </p:sld>
 </file>
@@ -3945,6 +4149,226 @@
           <p:cNvPr id="2" name="Title 1">
             <a:extLst>
               <a:ext uri="{FF2B5EF4-FFF2-40B4-BE49-F238E27FC236}">
+                <a16:creationId xmlns:a16="http://schemas.microsoft.com/office/drawing/2014/main" id="{C36A86F0-D862-46ED-AF5F-A8529FFADC66}"/>
+              </a:ext>
+            </a:extLst>
+          </p:cNvPr>
+          <p:cNvSpPr>
+            <a:spLocks noGrp="1"/>
+          </p:cNvSpPr>
+          <p:nvPr>
+            <p:ph type="title"/>
+          </p:nvPr>
+        </p:nvSpPr>
+        <p:spPr/>
+        <p:txBody>
+          <a:bodyPr/>
+          <a:lstStyle/>
+          <a:p>
+            <a:r>
+              <a:rPr lang="en-US" dirty="0"/>
+              <a:t>Collaboration Diagram</a:t>
+            </a:r>
+          </a:p>
+        </p:txBody>
+      </p:sp>
+      <p:pic>
+        <p:nvPicPr>
+          <p:cNvPr id="6" name="Content Placeholder 5">
+            <a:extLst>
+              <a:ext uri="{FF2B5EF4-FFF2-40B4-BE49-F238E27FC236}">
+                <a16:creationId xmlns:a16="http://schemas.microsoft.com/office/drawing/2014/main" id="{EB14077F-E0FE-4BB0-9CF3-D1A5F7D89644}"/>
+              </a:ext>
+            </a:extLst>
+          </p:cNvPr>
+          <p:cNvPicPr>
+            <a:picLocks noGrp="1" noChangeAspect="1"/>
+          </p:cNvPicPr>
+          <p:nvPr>
+            <p:ph sz="half" idx="1"/>
+          </p:nvPr>
+        </p:nvPicPr>
+        <p:blipFill>
+          <a:blip r:embed="rId2">
+            <a:extLst>
+              <a:ext uri="{28A0092B-C50C-407E-A947-70E740481C1C}">
+                <a14:useLocalDpi xmlns:a14="http://schemas.microsoft.com/office/drawing/2010/main" val="0"/>
+              </a:ext>
+            </a:extLst>
+          </a:blip>
+          <a:stretch>
+            <a:fillRect/>
+          </a:stretch>
+        </p:blipFill>
+        <p:spPr>
+          <a:xfrm>
+            <a:off x="477450" y="2286000"/>
+            <a:ext cx="6436900" cy="3275112"/>
+          </a:xfrm>
+        </p:spPr>
+      </p:pic>
+      <p:pic>
+        <p:nvPicPr>
+          <p:cNvPr id="8" name="Content Placeholder 7">
+            <a:extLst>
+              <a:ext uri="{FF2B5EF4-FFF2-40B4-BE49-F238E27FC236}">
+                <a16:creationId xmlns:a16="http://schemas.microsoft.com/office/drawing/2014/main" id="{388FD2F0-CBD2-4166-BA93-2A311A61F9BF}"/>
+              </a:ext>
+            </a:extLst>
+          </p:cNvPr>
+          <p:cNvPicPr>
+            <a:picLocks noGrp="1" noChangeAspect="1"/>
+          </p:cNvPicPr>
+          <p:nvPr>
+            <p:ph sz="half" idx="2"/>
+          </p:nvPr>
+        </p:nvPicPr>
+        <p:blipFill>
+          <a:blip r:embed="rId3">
+            <a:extLst>
+              <a:ext uri="{28A0092B-C50C-407E-A947-70E740481C1C}">
+                <a14:useLocalDpi xmlns:a14="http://schemas.microsoft.com/office/drawing/2010/main" val="0"/>
+              </a:ext>
+            </a:extLst>
+          </a:blip>
+          <a:stretch>
+            <a:fillRect/>
+          </a:stretch>
+        </p:blipFill>
+        <p:spPr>
+          <a:xfrm>
+            <a:off x="5579706" y="1559817"/>
+            <a:ext cx="6436900" cy="4441927"/>
+          </a:xfrm>
+        </p:spPr>
+      </p:pic>
+    </p:spTree>
+    <p:extLst>
+      <p:ext uri="{BB962C8B-B14F-4D97-AF65-F5344CB8AC3E}">
+        <p14:creationId xmlns:p14="http://schemas.microsoft.com/office/powerpoint/2010/main" val="1142955567"/>
+      </p:ext>
+    </p:extLst>
+  </p:cSld>
+  <p:clrMapOvr>
+    <a:masterClrMapping/>
+  </p:clrMapOvr>
+</p:sld>
+</file>
+
+<file path=ppt/slides/slide11.xml><?xml version="1.0" encoding="utf-8"?>
+<p:sld xmlns:a="http://schemas.openxmlformats.org/drawingml/2006/main" xmlns:r="http://schemas.openxmlformats.org/officeDocument/2006/relationships" xmlns:p="http://schemas.openxmlformats.org/presentationml/2006/main">
+  <p:cSld>
+    <p:spTree>
+      <p:nvGrpSpPr>
+        <p:cNvPr id="1" name=""/>
+        <p:cNvGrpSpPr/>
+        <p:nvPr/>
+      </p:nvGrpSpPr>
+      <p:grpSpPr>
+        <a:xfrm>
+          <a:off x="0" y="0"/>
+          <a:ext cx="0" cy="0"/>
+          <a:chOff x="0" y="0"/>
+          <a:chExt cx="0" cy="0"/>
+        </a:xfrm>
+      </p:grpSpPr>
+      <p:sp>
+        <p:nvSpPr>
+          <p:cNvPr id="2" name="Title 1">
+            <a:extLst>
+              <a:ext uri="{FF2B5EF4-FFF2-40B4-BE49-F238E27FC236}">
+                <a16:creationId xmlns:a16="http://schemas.microsoft.com/office/drawing/2014/main" id="{26667C27-B8F7-4020-B3AF-B4F0E71D7057}"/>
+              </a:ext>
+            </a:extLst>
+          </p:cNvPr>
+          <p:cNvSpPr>
+            <a:spLocks noGrp="1"/>
+          </p:cNvSpPr>
+          <p:nvPr>
+            <p:ph type="title"/>
+          </p:nvPr>
+        </p:nvSpPr>
+        <p:spPr/>
+        <p:txBody>
+          <a:bodyPr/>
+          <a:lstStyle/>
+          <a:p>
+            <a:r>
+              <a:rPr lang="en-US" dirty="0"/>
+              <a:t>Sequence Diagram</a:t>
+            </a:r>
+          </a:p>
+        </p:txBody>
+      </p:sp>
+      <p:pic>
+        <p:nvPicPr>
+          <p:cNvPr id="7" name="Content Placeholder 6">
+            <a:extLst>
+              <a:ext uri="{FF2B5EF4-FFF2-40B4-BE49-F238E27FC236}">
+                <a16:creationId xmlns:a16="http://schemas.microsoft.com/office/drawing/2014/main" id="{0AF1D393-2B35-4D74-AFA4-13DF0105A2E0}"/>
+              </a:ext>
+            </a:extLst>
+          </p:cNvPr>
+          <p:cNvPicPr>
+            <a:picLocks noGrp="1" noChangeAspect="1"/>
+          </p:cNvPicPr>
+          <p:nvPr>
+            <p:ph idx="1"/>
+          </p:nvPr>
+        </p:nvPicPr>
+        <p:blipFill rotWithShape="1">
+          <a:blip r:embed="rId2">
+            <a:extLst>
+              <a:ext uri="{28A0092B-C50C-407E-A947-70E740481C1C}">
+                <a14:useLocalDpi xmlns:a14="http://schemas.microsoft.com/office/drawing/2010/main" val="0"/>
+              </a:ext>
+            </a:extLst>
+          </a:blip>
+          <a:srcRect b="12526"/>
+          <a:stretch/>
+        </p:blipFill>
+        <p:spPr>
+          <a:xfrm>
+            <a:off x="615820" y="1846263"/>
+            <a:ext cx="10058400" cy="4784380"/>
+          </a:xfrm>
+        </p:spPr>
+      </p:pic>
+    </p:spTree>
+    <p:extLst>
+      <p:ext uri="{BB962C8B-B14F-4D97-AF65-F5344CB8AC3E}">
+        <p14:creationId xmlns:p14="http://schemas.microsoft.com/office/powerpoint/2010/main" val="2124511276"/>
+      </p:ext>
+    </p:extLst>
+  </p:cSld>
+  <p:clrMapOvr>
+    <a:masterClrMapping/>
+  </p:clrMapOvr>
+</p:sld>
+</file>
+
+<file path=ppt/slides/slide12.xml><?xml version="1.0" encoding="utf-8"?>
+<p:sld xmlns:a="http://schemas.openxmlformats.org/drawingml/2006/main" xmlns:r="http://schemas.openxmlformats.org/officeDocument/2006/relationships" xmlns:p="http://schemas.openxmlformats.org/presentationml/2006/main">
+  <p:cSld>
+    <p:spTree>
+      <p:nvGrpSpPr>
+        <p:cNvPr id="1" name=""/>
+        <p:cNvGrpSpPr/>
+        <p:nvPr/>
+      </p:nvGrpSpPr>
+      <p:grpSpPr>
+        <a:xfrm>
+          <a:off x="0" y="0"/>
+          <a:ext cx="0" cy="0"/>
+          <a:chOff x="0" y="0"/>
+          <a:chExt cx="0" cy="0"/>
+        </a:xfrm>
+      </p:grpSpPr>
+      <p:sp>
+        <p:nvSpPr>
+          <p:cNvPr id="2" name="Title 1">
+            <a:extLst>
+              <a:ext uri="{FF2B5EF4-FFF2-40B4-BE49-F238E27FC236}">
                 <a16:creationId xmlns:a16="http://schemas.microsoft.com/office/drawing/2014/main" id="{27AB94E0-18AB-4196-B9BD-4128DE8119E5}"/>
               </a:ext>
             </a:extLst>
@@ -4013,6 +4437,26 @@
             <a:r>
               <a:rPr lang="en-US" sz="2400" dirty="0"/>
               <a:t>Used Microsoft SQL Server 2017 RDBMS for Database </a:t>
+            </a:r>
+          </a:p>
+          <a:p>
+            <a:pPr>
+              <a:buFont typeface="Wingdings" panose="05000000000000000000" pitchFamily="2" charset="2"/>
+              <a:buChar char="Ø"/>
+            </a:pPr>
+            <a:r>
+              <a:rPr lang="en-US" sz="2400" dirty="0"/>
+              <a:t>GitHub for version control</a:t>
+            </a:r>
+          </a:p>
+          <a:p>
+            <a:pPr>
+              <a:buFont typeface="Wingdings" panose="05000000000000000000" pitchFamily="2" charset="2"/>
+              <a:buChar char="Ø"/>
+            </a:pPr>
+            <a:r>
+              <a:rPr lang="en-US" sz="2400" dirty="0"/>
+              <a:t>Slack for team communication</a:t>
             </a:r>
           </a:p>
         </p:txBody>
@@ -4031,6 +4475,846 @@
 </file>
 
 <file path=ppt/slides/slide2.xml><?xml version="1.0" encoding="utf-8"?>
+<p:sld xmlns:a="http://schemas.openxmlformats.org/drawingml/2006/main" xmlns:r="http://schemas.openxmlformats.org/officeDocument/2006/relationships" xmlns:p="http://schemas.openxmlformats.org/presentationml/2006/main">
+  <p:cSld>
+    <p:spTree>
+      <p:nvGrpSpPr>
+        <p:cNvPr id="1" name=""/>
+        <p:cNvGrpSpPr/>
+        <p:nvPr/>
+      </p:nvGrpSpPr>
+      <p:grpSpPr>
+        <a:xfrm>
+          <a:off x="0" y="0"/>
+          <a:ext cx="0" cy="0"/>
+          <a:chOff x="0" y="0"/>
+          <a:chExt cx="0" cy="0"/>
+        </a:xfrm>
+      </p:grpSpPr>
+      <p:sp>
+        <p:nvSpPr>
+          <p:cNvPr id="2" name="Title 1">
+            <a:extLst>
+              <a:ext uri="{FF2B5EF4-FFF2-40B4-BE49-F238E27FC236}">
+                <a16:creationId xmlns:a16="http://schemas.microsoft.com/office/drawing/2014/main" id="{57AEF4F7-DAE6-4EAC-8C07-0A5A8F48978B}"/>
+              </a:ext>
+            </a:extLst>
+          </p:cNvPr>
+          <p:cNvSpPr>
+            <a:spLocks noGrp="1"/>
+          </p:cNvSpPr>
+          <p:nvPr>
+            <p:ph type="title"/>
+          </p:nvPr>
+        </p:nvSpPr>
+        <p:spPr/>
+        <p:txBody>
+          <a:bodyPr/>
+          <a:lstStyle/>
+          <a:p>
+            <a:r>
+              <a:rPr lang="en-US" dirty="0"/>
+              <a:t>Requirements</a:t>
+            </a:r>
+          </a:p>
+        </p:txBody>
+      </p:sp>
+      <p:sp>
+        <p:nvSpPr>
+          <p:cNvPr id="3" name="Content Placeholder 2">
+            <a:extLst>
+              <a:ext uri="{FF2B5EF4-FFF2-40B4-BE49-F238E27FC236}">
+                <a16:creationId xmlns:a16="http://schemas.microsoft.com/office/drawing/2014/main" id="{E1797AE7-4734-4698-A46D-39A5495F2259}"/>
+              </a:ext>
+            </a:extLst>
+          </p:cNvPr>
+          <p:cNvSpPr>
+            <a:spLocks noGrp="1"/>
+          </p:cNvSpPr>
+          <p:nvPr>
+            <p:ph idx="1"/>
+          </p:nvPr>
+        </p:nvSpPr>
+        <p:spPr/>
+        <p:txBody>
+          <a:bodyPr/>
+          <a:lstStyle/>
+          <a:p>
+            <a:pPr>
+              <a:buFont typeface="Wingdings" panose="05000000000000000000" pitchFamily="2" charset="2"/>
+              <a:buChar char="Ø"/>
+            </a:pPr>
+            <a:r>
+              <a:rPr lang="en-US" dirty="0"/>
+              <a:t>To build a student information management system.</a:t>
+            </a:r>
+          </a:p>
+          <a:p>
+            <a:pPr>
+              <a:buFont typeface="Wingdings" panose="05000000000000000000" pitchFamily="2" charset="2"/>
+              <a:buChar char="Ø"/>
+            </a:pPr>
+            <a:r>
+              <a:rPr lang="en-US" dirty="0"/>
+              <a:t>The system tracks the details of the student: enrolled courses, progress, exam grades, </a:t>
+            </a:r>
+            <a:r>
+              <a:rPr lang="en-US" dirty="0" err="1"/>
+              <a:t>etc</a:t>
+            </a:r>
+            <a:endParaRPr lang="en-US" dirty="0"/>
+          </a:p>
+          <a:p>
+            <a:pPr>
+              <a:buFont typeface="Wingdings" panose="05000000000000000000" pitchFamily="2" charset="2"/>
+              <a:buChar char="Ø"/>
+            </a:pPr>
+            <a:r>
+              <a:rPr lang="en-US" dirty="0"/>
+              <a:t>Instructors are administrators</a:t>
+            </a:r>
+          </a:p>
+          <a:p>
+            <a:pPr lvl="1">
+              <a:buFont typeface="Wingdings" panose="05000000000000000000" pitchFamily="2" charset="2"/>
+              <a:buChar char="Ø"/>
+            </a:pPr>
+            <a:r>
+              <a:rPr lang="en-US" dirty="0"/>
+              <a:t>Able to edit enrolled students grades, add courses taught, delete, etc.</a:t>
+            </a:r>
+          </a:p>
+          <a:p>
+            <a:pPr>
+              <a:buFont typeface="Wingdings" panose="05000000000000000000" pitchFamily="2" charset="2"/>
+              <a:buChar char="Ø"/>
+            </a:pPr>
+            <a:r>
+              <a:rPr lang="en-US" dirty="0"/>
+              <a:t>Students are users</a:t>
+            </a:r>
+          </a:p>
+          <a:p>
+            <a:pPr lvl="1">
+              <a:buFont typeface="Wingdings" panose="05000000000000000000" pitchFamily="2" charset="2"/>
+              <a:buChar char="Ø"/>
+            </a:pPr>
+            <a:r>
+              <a:rPr lang="en-US" dirty="0"/>
+              <a:t>Able to view assignments, grades, enrolled courses, </a:t>
+            </a:r>
+            <a:r>
+              <a:rPr lang="en-US" dirty="0" err="1"/>
+              <a:t>etc</a:t>
+            </a:r>
+            <a:endParaRPr lang="en-US" dirty="0"/>
+          </a:p>
+          <a:p>
+            <a:pPr lvl="1">
+              <a:buFont typeface="Wingdings" panose="05000000000000000000" pitchFamily="2" charset="2"/>
+              <a:buChar char="Ø"/>
+            </a:pPr>
+            <a:endParaRPr lang="en-US" dirty="0"/>
+          </a:p>
+          <a:p>
+            <a:pPr lvl="1">
+              <a:buFont typeface="Wingdings" panose="05000000000000000000" pitchFamily="2" charset="2"/>
+              <a:buChar char="Ø"/>
+            </a:pPr>
+            <a:endParaRPr lang="en-US" dirty="0"/>
+          </a:p>
+        </p:txBody>
+      </p:sp>
+    </p:spTree>
+    <p:extLst>
+      <p:ext uri="{BB962C8B-B14F-4D97-AF65-F5344CB8AC3E}">
+        <p14:creationId xmlns:p14="http://schemas.microsoft.com/office/powerpoint/2010/main" val="4167678397"/>
+      </p:ext>
+    </p:extLst>
+  </p:cSld>
+  <p:clrMapOvr>
+    <a:masterClrMapping/>
+  </p:clrMapOvr>
+</p:sld>
+</file>
+
+<file path=ppt/slides/slide3.xml><?xml version="1.0" encoding="utf-8"?>
+<p:sld xmlns:a="http://schemas.openxmlformats.org/drawingml/2006/main" xmlns:r="http://schemas.openxmlformats.org/officeDocument/2006/relationships" xmlns:p="http://schemas.openxmlformats.org/presentationml/2006/main">
+  <p:cSld>
+    <p:spTree>
+      <p:nvGrpSpPr>
+        <p:cNvPr id="1" name=""/>
+        <p:cNvGrpSpPr/>
+        <p:nvPr/>
+      </p:nvGrpSpPr>
+      <p:grpSpPr>
+        <a:xfrm>
+          <a:off x="0" y="0"/>
+          <a:ext cx="0" cy="0"/>
+          <a:chOff x="0" y="0"/>
+          <a:chExt cx="0" cy="0"/>
+        </a:xfrm>
+      </p:grpSpPr>
+      <p:sp>
+        <p:nvSpPr>
+          <p:cNvPr id="2" name="Title 1">
+            <a:extLst>
+              <a:ext uri="{FF2B5EF4-FFF2-40B4-BE49-F238E27FC236}">
+                <a16:creationId xmlns:a16="http://schemas.microsoft.com/office/drawing/2014/main" id="{73D3AEE5-9B4D-414F-BF79-647DA1B30DC0}"/>
+              </a:ext>
+            </a:extLst>
+          </p:cNvPr>
+          <p:cNvSpPr>
+            <a:spLocks noGrp="1"/>
+          </p:cNvSpPr>
+          <p:nvPr>
+            <p:ph type="title"/>
+          </p:nvPr>
+        </p:nvSpPr>
+        <p:spPr/>
+        <p:txBody>
+          <a:bodyPr/>
+          <a:lstStyle/>
+          <a:p>
+            <a:r>
+              <a:rPr lang="en-US" dirty="0"/>
+              <a:t>Schedule</a:t>
+            </a:r>
+          </a:p>
+        </p:txBody>
+      </p:sp>
+      <p:graphicFrame>
+        <p:nvGraphicFramePr>
+          <p:cNvPr id="4" name="Content Placeholder 3">
+            <a:extLst>
+              <a:ext uri="{FF2B5EF4-FFF2-40B4-BE49-F238E27FC236}">
+                <a16:creationId xmlns:a16="http://schemas.microsoft.com/office/drawing/2014/main" id="{60268A50-F08A-4229-AB7A-9DD6964391DD}"/>
+              </a:ext>
+            </a:extLst>
+          </p:cNvPr>
+          <p:cNvGraphicFramePr>
+            <a:graphicFrameLocks noGrp="1"/>
+          </p:cNvGraphicFramePr>
+          <p:nvPr>
+            <p:ph idx="1"/>
+            <p:extLst>
+              <p:ext uri="{D42A27DB-BD31-4B8C-83A1-F6EECF244321}">
+                <p14:modId xmlns:p14="http://schemas.microsoft.com/office/powerpoint/2010/main" val="3036985246"/>
+              </p:ext>
+            </p:extLst>
+          </p:nvPr>
+        </p:nvGraphicFramePr>
+        <p:xfrm>
+          <a:off x="1420238" y="2081719"/>
+          <a:ext cx="9153729" cy="3589507"/>
+        </p:xfrm>
+        <a:graphic>
+          <a:graphicData uri="http://schemas.openxmlformats.org/drawingml/2006/table">
+            <a:tbl>
+              <a:tblPr firstRow="1" firstCol="1" bandRow="1">
+                <a:tableStyleId>{5C22544A-7EE6-4342-B048-85BDC9FD1C3A}</a:tableStyleId>
+              </a:tblPr>
+              <a:tblGrid>
+                <a:gridCol w="3050925">
+                  <a:extLst>
+                    <a:ext uri="{9D8B030D-6E8A-4147-A177-3AD203B41FA5}">
+                      <a16:colId xmlns:a16="http://schemas.microsoft.com/office/drawing/2014/main" val="2506638009"/>
+                    </a:ext>
+                  </a:extLst>
+                </a:gridCol>
+                <a:gridCol w="3050925">
+                  <a:extLst>
+                    <a:ext uri="{9D8B030D-6E8A-4147-A177-3AD203B41FA5}">
+                      <a16:colId xmlns:a16="http://schemas.microsoft.com/office/drawing/2014/main" val="2110302338"/>
+                    </a:ext>
+                  </a:extLst>
+                </a:gridCol>
+                <a:gridCol w="3051879">
+                  <a:extLst>
+                    <a:ext uri="{9D8B030D-6E8A-4147-A177-3AD203B41FA5}">
+                      <a16:colId xmlns:a16="http://schemas.microsoft.com/office/drawing/2014/main" val="1221325388"/>
+                    </a:ext>
+                  </a:extLst>
+                </a:gridCol>
+              </a:tblGrid>
+              <a:tr h="291727">
+                <a:tc>
+                  <a:txBody>
+                    <a:bodyPr/>
+                    <a:lstStyle/>
+                    <a:p>
+                      <a:pPr marL="0" marR="0" indent="0" algn="ctr">
+                        <a:lnSpc>
+                          <a:spcPct val="103000"/>
+                        </a:lnSpc>
+                        <a:spcBef>
+                          <a:spcPts val="0"/>
+                        </a:spcBef>
+                        <a:spcAft>
+                          <a:spcPts val="1330"/>
+                        </a:spcAft>
+                      </a:pPr>
+                      <a:r>
+                        <a:rPr lang="en-US" sz="1000">
+                          <a:effectLst/>
+                        </a:rPr>
+                        <a:t>Deliverable</a:t>
+                      </a:r>
+                      <a:endParaRPr lang="en-US" sz="1200">
+                        <a:solidFill>
+                          <a:srgbClr val="000000"/>
+                        </a:solidFill>
+                        <a:effectLst/>
+                        <a:latin typeface="Times New Roman" panose="02020603050405020304" pitchFamily="18" charset="0"/>
+                        <a:ea typeface="Times New Roman" panose="02020603050405020304" pitchFamily="18" charset="0"/>
+                        <a:cs typeface="Times New Roman" panose="02020603050405020304" pitchFamily="18" charset="0"/>
+                      </a:endParaRPr>
+                    </a:p>
+                  </a:txBody>
+                  <a:tcPr marL="68580" marR="68580" marT="0" marB="0"/>
+                </a:tc>
+                <a:tc>
+                  <a:txBody>
+                    <a:bodyPr/>
+                    <a:lstStyle/>
+                    <a:p>
+                      <a:pPr marL="0" marR="0" indent="0" algn="ctr">
+                        <a:lnSpc>
+                          <a:spcPct val="103000"/>
+                        </a:lnSpc>
+                        <a:spcBef>
+                          <a:spcPts val="0"/>
+                        </a:spcBef>
+                        <a:spcAft>
+                          <a:spcPts val="1330"/>
+                        </a:spcAft>
+                      </a:pPr>
+                      <a:r>
+                        <a:rPr lang="en-US" sz="1000">
+                          <a:effectLst/>
+                        </a:rPr>
+                        <a:t>Description</a:t>
+                      </a:r>
+                      <a:endParaRPr lang="en-US" sz="1200">
+                        <a:solidFill>
+                          <a:srgbClr val="000000"/>
+                        </a:solidFill>
+                        <a:effectLst/>
+                        <a:latin typeface="Times New Roman" panose="02020603050405020304" pitchFamily="18" charset="0"/>
+                        <a:ea typeface="Times New Roman" panose="02020603050405020304" pitchFamily="18" charset="0"/>
+                        <a:cs typeface="Times New Roman" panose="02020603050405020304" pitchFamily="18" charset="0"/>
+                      </a:endParaRPr>
+                    </a:p>
+                  </a:txBody>
+                  <a:tcPr marL="68580" marR="68580" marT="0" marB="0"/>
+                </a:tc>
+                <a:tc>
+                  <a:txBody>
+                    <a:bodyPr/>
+                    <a:lstStyle/>
+                    <a:p>
+                      <a:pPr marL="0" marR="0" indent="0" algn="ctr">
+                        <a:lnSpc>
+                          <a:spcPct val="103000"/>
+                        </a:lnSpc>
+                        <a:spcBef>
+                          <a:spcPts val="0"/>
+                        </a:spcBef>
+                        <a:spcAft>
+                          <a:spcPts val="1330"/>
+                        </a:spcAft>
+                      </a:pPr>
+                      <a:r>
+                        <a:rPr lang="en-US" sz="1000">
+                          <a:effectLst/>
+                        </a:rPr>
+                        <a:t>Dates</a:t>
+                      </a:r>
+                      <a:endParaRPr lang="en-US" sz="1200">
+                        <a:solidFill>
+                          <a:srgbClr val="000000"/>
+                        </a:solidFill>
+                        <a:effectLst/>
+                        <a:latin typeface="Times New Roman" panose="02020603050405020304" pitchFamily="18" charset="0"/>
+                        <a:ea typeface="Times New Roman" panose="02020603050405020304" pitchFamily="18" charset="0"/>
+                        <a:cs typeface="Times New Roman" panose="02020603050405020304" pitchFamily="18" charset="0"/>
+                      </a:endParaRPr>
+                    </a:p>
+                  </a:txBody>
+                  <a:tcPr marL="68580" marR="68580" marT="0" marB="0"/>
+                </a:tc>
+                <a:extLst>
+                  <a:ext uri="{0D108BD9-81ED-4DB2-BD59-A6C34878D82A}">
+                    <a16:rowId xmlns:a16="http://schemas.microsoft.com/office/drawing/2014/main" val="2472475276"/>
+                  </a:ext>
+                </a:extLst>
+              </a:tr>
+              <a:tr h="1509368">
+                <a:tc>
+                  <a:txBody>
+                    <a:bodyPr/>
+                    <a:lstStyle/>
+                    <a:p>
+                      <a:pPr marL="0" marR="0" indent="0" algn="just">
+                        <a:lnSpc>
+                          <a:spcPct val="103000"/>
+                        </a:lnSpc>
+                        <a:spcBef>
+                          <a:spcPts val="0"/>
+                        </a:spcBef>
+                        <a:spcAft>
+                          <a:spcPts val="1330"/>
+                        </a:spcAft>
+                      </a:pPr>
+                      <a:r>
+                        <a:rPr lang="en-US" sz="1000" dirty="0">
+                          <a:effectLst/>
+                        </a:rPr>
+                        <a:t>Software Project Management Plan (SPMP)</a:t>
+                      </a:r>
+                      <a:endParaRPr lang="en-US" sz="1200" dirty="0">
+                        <a:solidFill>
+                          <a:srgbClr val="000000"/>
+                        </a:solidFill>
+                        <a:effectLst/>
+                        <a:latin typeface="Times New Roman" panose="02020603050405020304" pitchFamily="18" charset="0"/>
+                        <a:ea typeface="Times New Roman" panose="02020603050405020304" pitchFamily="18" charset="0"/>
+                        <a:cs typeface="Times New Roman" panose="02020603050405020304" pitchFamily="18" charset="0"/>
+                      </a:endParaRPr>
+                    </a:p>
+                  </a:txBody>
+                  <a:tcPr marL="68580" marR="68580" marT="0" marB="0"/>
+                </a:tc>
+                <a:tc>
+                  <a:txBody>
+                    <a:bodyPr/>
+                    <a:lstStyle/>
+                    <a:p>
+                      <a:pPr marL="0" marR="0" indent="0" algn="just">
+                        <a:lnSpc>
+                          <a:spcPct val="103000"/>
+                        </a:lnSpc>
+                        <a:spcBef>
+                          <a:spcPts val="0"/>
+                        </a:spcBef>
+                        <a:spcAft>
+                          <a:spcPts val="1330"/>
+                        </a:spcAft>
+                      </a:pPr>
+                      <a:r>
+                        <a:rPr lang="en-US" sz="1000">
+                          <a:effectLst/>
+                        </a:rPr>
+                        <a:t>A complete formal project plan, including technical and managerial processes that will be implemented in the development and delivery of the system.</a:t>
+                      </a:r>
+                      <a:endParaRPr lang="en-US" sz="1200">
+                        <a:solidFill>
+                          <a:srgbClr val="000000"/>
+                        </a:solidFill>
+                        <a:effectLst/>
+                        <a:latin typeface="Times New Roman" panose="02020603050405020304" pitchFamily="18" charset="0"/>
+                        <a:ea typeface="Times New Roman" panose="02020603050405020304" pitchFamily="18" charset="0"/>
+                        <a:cs typeface="Times New Roman" panose="02020603050405020304" pitchFamily="18" charset="0"/>
+                      </a:endParaRPr>
+                    </a:p>
+                  </a:txBody>
+                  <a:tcPr marL="68580" marR="68580" marT="0" marB="0"/>
+                </a:tc>
+                <a:tc>
+                  <a:txBody>
+                    <a:bodyPr/>
+                    <a:lstStyle/>
+                    <a:p>
+                      <a:pPr marL="0" marR="0" indent="0" algn="just">
+                        <a:lnSpc>
+                          <a:spcPct val="103000"/>
+                        </a:lnSpc>
+                        <a:spcBef>
+                          <a:spcPts val="0"/>
+                        </a:spcBef>
+                        <a:spcAft>
+                          <a:spcPts val="1330"/>
+                        </a:spcAft>
+                      </a:pPr>
+                      <a:r>
+                        <a:rPr lang="en-US" sz="1000">
+                          <a:effectLst/>
+                        </a:rPr>
+                        <a:t>3/21/2019</a:t>
+                      </a:r>
+                      <a:endParaRPr lang="en-US" sz="1200">
+                        <a:solidFill>
+                          <a:srgbClr val="000000"/>
+                        </a:solidFill>
+                        <a:effectLst/>
+                        <a:latin typeface="Times New Roman" panose="02020603050405020304" pitchFamily="18" charset="0"/>
+                        <a:ea typeface="Times New Roman" panose="02020603050405020304" pitchFamily="18" charset="0"/>
+                        <a:cs typeface="Times New Roman" panose="02020603050405020304" pitchFamily="18" charset="0"/>
+                      </a:endParaRPr>
+                    </a:p>
+                  </a:txBody>
+                  <a:tcPr marL="68580" marR="68580" marT="0" marB="0"/>
+                </a:tc>
+                <a:extLst>
+                  <a:ext uri="{0D108BD9-81ED-4DB2-BD59-A6C34878D82A}">
+                    <a16:rowId xmlns:a16="http://schemas.microsoft.com/office/drawing/2014/main" val="3685781622"/>
+                  </a:ext>
+                </a:extLst>
+              </a:tr>
+              <a:tr h="900548">
+                <a:tc>
+                  <a:txBody>
+                    <a:bodyPr/>
+                    <a:lstStyle/>
+                    <a:p>
+                      <a:pPr marL="0" marR="0" indent="0" algn="just">
+                        <a:lnSpc>
+                          <a:spcPct val="103000"/>
+                        </a:lnSpc>
+                        <a:spcBef>
+                          <a:spcPts val="0"/>
+                        </a:spcBef>
+                        <a:spcAft>
+                          <a:spcPts val="1330"/>
+                        </a:spcAft>
+                      </a:pPr>
+                      <a:r>
+                        <a:rPr lang="en-US" sz="1000">
+                          <a:effectLst/>
+                        </a:rPr>
+                        <a:t>Requirement artifacts, analysis artifacts, and presentation of project’s progress.</a:t>
+                      </a:r>
+                      <a:endParaRPr lang="en-US" sz="1200">
+                        <a:solidFill>
+                          <a:srgbClr val="000000"/>
+                        </a:solidFill>
+                        <a:effectLst/>
+                        <a:latin typeface="Times New Roman" panose="02020603050405020304" pitchFamily="18" charset="0"/>
+                        <a:ea typeface="Times New Roman" panose="02020603050405020304" pitchFamily="18" charset="0"/>
+                        <a:cs typeface="Times New Roman" panose="02020603050405020304" pitchFamily="18" charset="0"/>
+                      </a:endParaRPr>
+                    </a:p>
+                  </a:txBody>
+                  <a:tcPr marL="68580" marR="68580" marT="0" marB="0"/>
+                </a:tc>
+                <a:tc>
+                  <a:txBody>
+                    <a:bodyPr/>
+                    <a:lstStyle/>
+                    <a:p>
+                      <a:pPr marL="0" marR="0" indent="0" algn="just">
+                        <a:lnSpc>
+                          <a:spcPct val="103000"/>
+                        </a:lnSpc>
+                        <a:spcBef>
+                          <a:spcPts val="0"/>
+                        </a:spcBef>
+                        <a:spcAft>
+                          <a:spcPts val="1330"/>
+                        </a:spcAft>
+                      </a:pPr>
+                      <a:r>
+                        <a:rPr lang="en-US" sz="1000">
+                          <a:effectLst/>
+                        </a:rPr>
+                        <a:t>UML Diagrams of use cases, class diagram, collaboration diagram, and sequence diagram.</a:t>
+                      </a:r>
+                      <a:endParaRPr lang="en-US" sz="1200">
+                        <a:solidFill>
+                          <a:srgbClr val="000000"/>
+                        </a:solidFill>
+                        <a:effectLst/>
+                        <a:latin typeface="Times New Roman" panose="02020603050405020304" pitchFamily="18" charset="0"/>
+                        <a:ea typeface="Times New Roman" panose="02020603050405020304" pitchFamily="18" charset="0"/>
+                        <a:cs typeface="Times New Roman" panose="02020603050405020304" pitchFamily="18" charset="0"/>
+                      </a:endParaRPr>
+                    </a:p>
+                  </a:txBody>
+                  <a:tcPr marL="68580" marR="68580" marT="0" marB="0"/>
+                </a:tc>
+                <a:tc>
+                  <a:txBody>
+                    <a:bodyPr/>
+                    <a:lstStyle/>
+                    <a:p>
+                      <a:pPr marL="0" marR="0" indent="0" algn="just">
+                        <a:lnSpc>
+                          <a:spcPct val="103000"/>
+                        </a:lnSpc>
+                        <a:spcBef>
+                          <a:spcPts val="0"/>
+                        </a:spcBef>
+                        <a:spcAft>
+                          <a:spcPts val="1330"/>
+                        </a:spcAft>
+                      </a:pPr>
+                      <a:r>
+                        <a:rPr lang="en-US" sz="1000">
+                          <a:effectLst/>
+                        </a:rPr>
+                        <a:t>3/21/2019</a:t>
+                      </a:r>
+                      <a:endParaRPr lang="en-US" sz="1200">
+                        <a:solidFill>
+                          <a:srgbClr val="000000"/>
+                        </a:solidFill>
+                        <a:effectLst/>
+                        <a:latin typeface="Times New Roman" panose="02020603050405020304" pitchFamily="18" charset="0"/>
+                        <a:ea typeface="Times New Roman" panose="02020603050405020304" pitchFamily="18" charset="0"/>
+                        <a:cs typeface="Times New Roman" panose="02020603050405020304" pitchFamily="18" charset="0"/>
+                      </a:endParaRPr>
+                    </a:p>
+                  </a:txBody>
+                  <a:tcPr marL="68580" marR="68580" marT="0" marB="0"/>
+                </a:tc>
+                <a:extLst>
+                  <a:ext uri="{0D108BD9-81ED-4DB2-BD59-A6C34878D82A}">
+                    <a16:rowId xmlns:a16="http://schemas.microsoft.com/office/drawing/2014/main" val="627771589"/>
+                  </a:ext>
+                </a:extLst>
+              </a:tr>
+              <a:tr h="291727">
+                <a:tc>
+                  <a:txBody>
+                    <a:bodyPr/>
+                    <a:lstStyle/>
+                    <a:p>
+                      <a:pPr marL="0" marR="0" indent="0" algn="just">
+                        <a:lnSpc>
+                          <a:spcPct val="103000"/>
+                        </a:lnSpc>
+                        <a:spcBef>
+                          <a:spcPts val="0"/>
+                        </a:spcBef>
+                        <a:spcAft>
+                          <a:spcPts val="1330"/>
+                        </a:spcAft>
+                      </a:pPr>
+                      <a:r>
+                        <a:rPr lang="en-US" sz="1000">
+                          <a:effectLst/>
+                        </a:rPr>
+                        <a:t>Product Software</a:t>
+                      </a:r>
+                      <a:endParaRPr lang="en-US" sz="1200">
+                        <a:solidFill>
+                          <a:srgbClr val="000000"/>
+                        </a:solidFill>
+                        <a:effectLst/>
+                        <a:latin typeface="Times New Roman" panose="02020603050405020304" pitchFamily="18" charset="0"/>
+                        <a:ea typeface="Times New Roman" panose="02020603050405020304" pitchFamily="18" charset="0"/>
+                        <a:cs typeface="Times New Roman" panose="02020603050405020304" pitchFamily="18" charset="0"/>
+                      </a:endParaRPr>
+                    </a:p>
+                  </a:txBody>
+                  <a:tcPr marL="68580" marR="68580" marT="0" marB="0"/>
+                </a:tc>
+                <a:tc>
+                  <a:txBody>
+                    <a:bodyPr/>
+                    <a:lstStyle/>
+                    <a:p>
+                      <a:pPr marL="0" marR="0" indent="0" algn="just">
+                        <a:lnSpc>
+                          <a:spcPct val="103000"/>
+                        </a:lnSpc>
+                        <a:spcBef>
+                          <a:spcPts val="0"/>
+                        </a:spcBef>
+                        <a:spcAft>
+                          <a:spcPts val="1330"/>
+                        </a:spcAft>
+                      </a:pPr>
+                      <a:r>
+                        <a:rPr lang="en-US" sz="1000">
+                          <a:effectLst/>
+                        </a:rPr>
+                        <a:t>The executable code for the LMS.</a:t>
+                      </a:r>
+                      <a:endParaRPr lang="en-US" sz="1200">
+                        <a:solidFill>
+                          <a:srgbClr val="000000"/>
+                        </a:solidFill>
+                        <a:effectLst/>
+                        <a:latin typeface="Times New Roman" panose="02020603050405020304" pitchFamily="18" charset="0"/>
+                        <a:ea typeface="Times New Roman" panose="02020603050405020304" pitchFamily="18" charset="0"/>
+                        <a:cs typeface="Times New Roman" panose="02020603050405020304" pitchFamily="18" charset="0"/>
+                      </a:endParaRPr>
+                    </a:p>
+                  </a:txBody>
+                  <a:tcPr marL="68580" marR="68580" marT="0" marB="0"/>
+                </a:tc>
+                <a:tc>
+                  <a:txBody>
+                    <a:bodyPr/>
+                    <a:lstStyle/>
+                    <a:p>
+                      <a:pPr marL="0" marR="0" indent="0" algn="just">
+                        <a:lnSpc>
+                          <a:spcPct val="103000"/>
+                        </a:lnSpc>
+                        <a:spcBef>
+                          <a:spcPts val="0"/>
+                        </a:spcBef>
+                        <a:spcAft>
+                          <a:spcPts val="1330"/>
+                        </a:spcAft>
+                      </a:pPr>
+                      <a:r>
+                        <a:rPr lang="en-US" sz="1000">
+                          <a:effectLst/>
+                        </a:rPr>
+                        <a:t>4/28/2019</a:t>
+                      </a:r>
+                      <a:endParaRPr lang="en-US" sz="1200">
+                        <a:solidFill>
+                          <a:srgbClr val="000000"/>
+                        </a:solidFill>
+                        <a:effectLst/>
+                        <a:latin typeface="Times New Roman" panose="02020603050405020304" pitchFamily="18" charset="0"/>
+                        <a:ea typeface="Times New Roman" panose="02020603050405020304" pitchFamily="18" charset="0"/>
+                        <a:cs typeface="Times New Roman" panose="02020603050405020304" pitchFamily="18" charset="0"/>
+                      </a:endParaRPr>
+                    </a:p>
+                  </a:txBody>
+                  <a:tcPr marL="68580" marR="68580" marT="0" marB="0"/>
+                </a:tc>
+                <a:extLst>
+                  <a:ext uri="{0D108BD9-81ED-4DB2-BD59-A6C34878D82A}">
+                    <a16:rowId xmlns:a16="http://schemas.microsoft.com/office/drawing/2014/main" val="855577605"/>
+                  </a:ext>
+                </a:extLst>
+              </a:tr>
+              <a:tr h="596137">
+                <a:tc>
+                  <a:txBody>
+                    <a:bodyPr/>
+                    <a:lstStyle/>
+                    <a:p>
+                      <a:pPr marL="0" marR="0" indent="0" algn="just">
+                        <a:lnSpc>
+                          <a:spcPct val="103000"/>
+                        </a:lnSpc>
+                        <a:spcBef>
+                          <a:spcPts val="0"/>
+                        </a:spcBef>
+                        <a:spcAft>
+                          <a:spcPts val="1330"/>
+                        </a:spcAft>
+                      </a:pPr>
+                      <a:r>
+                        <a:rPr lang="en-US" sz="1000">
+                          <a:effectLst/>
+                        </a:rPr>
+                        <a:t>Final Presentation</a:t>
+                      </a:r>
+                      <a:endParaRPr lang="en-US" sz="1200">
+                        <a:solidFill>
+                          <a:srgbClr val="000000"/>
+                        </a:solidFill>
+                        <a:effectLst/>
+                        <a:latin typeface="Times New Roman" panose="02020603050405020304" pitchFamily="18" charset="0"/>
+                        <a:ea typeface="Times New Roman" panose="02020603050405020304" pitchFamily="18" charset="0"/>
+                        <a:cs typeface="Times New Roman" panose="02020603050405020304" pitchFamily="18" charset="0"/>
+                      </a:endParaRPr>
+                    </a:p>
+                  </a:txBody>
+                  <a:tcPr marL="68580" marR="68580" marT="0" marB="0"/>
+                </a:tc>
+                <a:tc>
+                  <a:txBody>
+                    <a:bodyPr/>
+                    <a:lstStyle/>
+                    <a:p>
+                      <a:pPr marL="0" marR="0" indent="0" algn="just">
+                        <a:lnSpc>
+                          <a:spcPct val="103000"/>
+                        </a:lnSpc>
+                        <a:spcBef>
+                          <a:spcPts val="0"/>
+                        </a:spcBef>
+                        <a:spcAft>
+                          <a:spcPts val="1330"/>
+                        </a:spcAft>
+                      </a:pPr>
+                      <a:r>
+                        <a:rPr lang="en-US" sz="1000">
+                          <a:effectLst/>
+                        </a:rPr>
+                        <a:t>A demonstration of the product software.</a:t>
+                      </a:r>
+                      <a:endParaRPr lang="en-US" sz="1200">
+                        <a:solidFill>
+                          <a:srgbClr val="000000"/>
+                        </a:solidFill>
+                        <a:effectLst/>
+                        <a:latin typeface="Times New Roman" panose="02020603050405020304" pitchFamily="18" charset="0"/>
+                        <a:ea typeface="Times New Roman" panose="02020603050405020304" pitchFamily="18" charset="0"/>
+                        <a:cs typeface="Times New Roman" panose="02020603050405020304" pitchFamily="18" charset="0"/>
+                      </a:endParaRPr>
+                    </a:p>
+                  </a:txBody>
+                  <a:tcPr marL="68580" marR="68580" marT="0" marB="0"/>
+                </a:tc>
+                <a:tc>
+                  <a:txBody>
+                    <a:bodyPr/>
+                    <a:lstStyle/>
+                    <a:p>
+                      <a:pPr marL="0" marR="0" indent="0" algn="just">
+                        <a:lnSpc>
+                          <a:spcPct val="103000"/>
+                        </a:lnSpc>
+                        <a:spcBef>
+                          <a:spcPts val="0"/>
+                        </a:spcBef>
+                        <a:spcAft>
+                          <a:spcPts val="1330"/>
+                        </a:spcAft>
+                      </a:pPr>
+                      <a:r>
+                        <a:rPr lang="en-US" sz="1000" dirty="0">
+                          <a:effectLst/>
+                        </a:rPr>
+                        <a:t>4/30/2019</a:t>
+                      </a:r>
+                      <a:endParaRPr lang="en-US" sz="1200" dirty="0">
+                        <a:solidFill>
+                          <a:srgbClr val="000000"/>
+                        </a:solidFill>
+                        <a:effectLst/>
+                        <a:latin typeface="Times New Roman" panose="02020603050405020304" pitchFamily="18" charset="0"/>
+                        <a:ea typeface="Times New Roman" panose="02020603050405020304" pitchFamily="18" charset="0"/>
+                        <a:cs typeface="Times New Roman" panose="02020603050405020304" pitchFamily="18" charset="0"/>
+                      </a:endParaRPr>
+                    </a:p>
+                  </a:txBody>
+                  <a:tcPr marL="68580" marR="68580" marT="0" marB="0"/>
+                </a:tc>
+                <a:extLst>
+                  <a:ext uri="{0D108BD9-81ED-4DB2-BD59-A6C34878D82A}">
+                    <a16:rowId xmlns:a16="http://schemas.microsoft.com/office/drawing/2014/main" val="180665899"/>
+                  </a:ext>
+                </a:extLst>
+              </a:tr>
+            </a:tbl>
+          </a:graphicData>
+        </a:graphic>
+      </p:graphicFrame>
+    </p:spTree>
+    <p:extLst>
+      <p:ext uri="{BB962C8B-B14F-4D97-AF65-F5344CB8AC3E}">
+        <p14:creationId xmlns:p14="http://schemas.microsoft.com/office/powerpoint/2010/main" val="1778843909"/>
+      </p:ext>
+    </p:extLst>
+  </p:cSld>
+  <p:clrMapOvr>
+    <a:masterClrMapping/>
+  </p:clrMapOvr>
+</p:sld>
+</file>
+
+<file path=ppt/slides/slide4.xml><?xml version="1.0" encoding="utf-8"?>
 <p:sld xmlns:a="http://schemas.openxmlformats.org/drawingml/2006/main" xmlns:r="http://schemas.openxmlformats.org/officeDocument/2006/relationships" xmlns:p="http://schemas.openxmlformats.org/presentationml/2006/main">
   <p:cSld>
     <p:spTree>
@@ -4159,7 +5443,7 @@
 </p:sld>
 </file>
 
-<file path=ppt/slides/slide3.xml><?xml version="1.0" encoding="utf-8"?>
+<file path=ppt/slides/slide5.xml><?xml version="1.0" encoding="utf-8"?>
 <p:sld xmlns:a="http://schemas.openxmlformats.org/drawingml/2006/main" xmlns:r="http://schemas.openxmlformats.org/officeDocument/2006/relationships" xmlns:p="http://schemas.openxmlformats.org/presentationml/2006/main">
   <p:cSld>
     <p:spTree>
@@ -4181,7 +5465,7 @@
           <p:cNvPr id="2" name="Title 1">
             <a:extLst>
               <a:ext uri="{FF2B5EF4-FFF2-40B4-BE49-F238E27FC236}">
-                <a16:creationId xmlns:a16="http://schemas.microsoft.com/office/drawing/2014/main" id="{57AEF4F7-DAE6-4EAC-8C07-0A5A8F48978B}"/>
+                <a16:creationId xmlns:a16="http://schemas.microsoft.com/office/drawing/2014/main" id="{DAE90335-9759-484F-96AC-2911DE8304F6}"/>
               </a:ext>
             </a:extLst>
           </p:cNvPr>
@@ -4199,121 +5483,47 @@
           <a:p>
             <a:r>
               <a:rPr lang="en-US" dirty="0"/>
-              <a:t>Requirements</a:t>
-            </a:r>
-          </a:p>
-        </p:txBody>
-      </p:sp>
-      <p:sp>
-        <p:nvSpPr>
-          <p:cNvPr id="3" name="Content Placeholder 2">
+              <a:t>Team Organization</a:t>
+            </a:r>
+          </a:p>
+        </p:txBody>
+      </p:sp>
+      <p:pic>
+        <p:nvPicPr>
+          <p:cNvPr id="4" name="Content Placeholder 3">
             <a:extLst>
               <a:ext uri="{FF2B5EF4-FFF2-40B4-BE49-F238E27FC236}">
-                <a16:creationId xmlns:a16="http://schemas.microsoft.com/office/drawing/2014/main" id="{E1797AE7-4734-4698-A46D-39A5495F2259}"/>
+                <a16:creationId xmlns:a16="http://schemas.microsoft.com/office/drawing/2014/main" id="{3AF6350B-F1BF-4751-9395-00DAB89959A0}"/>
               </a:ext>
             </a:extLst>
           </p:cNvPr>
-          <p:cNvSpPr>
-            <a:spLocks noGrp="1"/>
-          </p:cNvSpPr>
+          <p:cNvPicPr>
+            <a:picLocks noGrp="1" noChangeAspect="1"/>
+          </p:cNvPicPr>
           <p:nvPr>
             <p:ph idx="1"/>
           </p:nvPr>
-        </p:nvSpPr>
-        <p:spPr/>
-        <p:txBody>
-          <a:bodyPr/>
-          <a:lstStyle/>
-          <a:p>
-            <a:pPr>
-              <a:buFont typeface="Wingdings" panose="05000000000000000000" pitchFamily="2" charset="2"/>
-              <a:buChar char="Ø"/>
-            </a:pPr>
-            <a:r>
-              <a:rPr lang="en-US" dirty="0"/>
-              <a:t>To build a student information management system.</a:t>
-            </a:r>
-          </a:p>
-          <a:p>
-            <a:pPr>
-              <a:buFont typeface="Wingdings" panose="05000000000000000000" pitchFamily="2" charset="2"/>
-              <a:buChar char="Ø"/>
-            </a:pPr>
-            <a:r>
-              <a:rPr lang="en-US" dirty="0"/>
-              <a:t>The system tracks the details of the student: enrolled courses, progress, exam grades, </a:t>
-            </a:r>
-            <a:r>
-              <a:rPr lang="en-US" dirty="0" err="1"/>
-              <a:t>etc</a:t>
-            </a:r>
-            <a:endParaRPr lang="en-US" dirty="0"/>
-          </a:p>
-          <a:p>
-            <a:pPr>
-              <a:buFont typeface="Wingdings" panose="05000000000000000000" pitchFamily="2" charset="2"/>
-              <a:buChar char="Ø"/>
-            </a:pPr>
-            <a:r>
-              <a:rPr lang="en-US" dirty="0"/>
-              <a:t>Instructors are administrators</a:t>
-            </a:r>
-          </a:p>
-          <a:p>
-            <a:pPr lvl="1">
-              <a:buFont typeface="Wingdings" panose="05000000000000000000" pitchFamily="2" charset="2"/>
-              <a:buChar char="Ø"/>
-            </a:pPr>
-            <a:r>
-              <a:rPr lang="en-US" dirty="0"/>
-              <a:t>Able to edit enrolled students grades, add courses taught, delete, etc.</a:t>
-            </a:r>
-          </a:p>
-          <a:p>
-            <a:pPr>
-              <a:buFont typeface="Wingdings" panose="05000000000000000000" pitchFamily="2" charset="2"/>
-              <a:buChar char="Ø"/>
-            </a:pPr>
-            <a:r>
-              <a:rPr lang="en-US" dirty="0"/>
-              <a:t>Students are users</a:t>
-            </a:r>
-          </a:p>
-          <a:p>
-            <a:pPr lvl="1">
-              <a:buFont typeface="Wingdings" panose="05000000000000000000" pitchFamily="2" charset="2"/>
-              <a:buChar char="Ø"/>
-            </a:pPr>
-            <a:r>
-              <a:rPr lang="en-US" dirty="0"/>
-              <a:t>Able to view assignments, grades, enrolled courses, </a:t>
-            </a:r>
-            <a:r>
-              <a:rPr lang="en-US" dirty="0" err="1"/>
-              <a:t>etc</a:t>
-            </a:r>
-            <a:endParaRPr lang="en-US" dirty="0"/>
-          </a:p>
-          <a:p>
-            <a:pPr lvl="1">
-              <a:buFont typeface="Wingdings" panose="05000000000000000000" pitchFamily="2" charset="2"/>
-              <a:buChar char="Ø"/>
-            </a:pPr>
-            <a:endParaRPr lang="en-US" dirty="0"/>
-          </a:p>
-          <a:p>
-            <a:pPr lvl="1">
-              <a:buFont typeface="Wingdings" panose="05000000000000000000" pitchFamily="2" charset="2"/>
-              <a:buChar char="Ø"/>
-            </a:pPr>
-            <a:endParaRPr lang="en-US" dirty="0"/>
-          </a:p>
-        </p:txBody>
-      </p:sp>
+        </p:nvPicPr>
+        <p:blipFill>
+          <a:blip r:embed="rId2"/>
+          <a:stretch>
+            <a:fillRect/>
+          </a:stretch>
+        </p:blipFill>
+        <p:spPr>
+          <a:xfrm>
+            <a:off x="1487488" y="2419350"/>
+            <a:ext cx="9277350" cy="2876550"/>
+          </a:xfrm>
+          <a:prstGeom prst="rect">
+            <a:avLst/>
+          </a:prstGeom>
+        </p:spPr>
+      </p:pic>
     </p:spTree>
     <p:extLst>
       <p:ext uri="{BB962C8B-B14F-4D97-AF65-F5344CB8AC3E}">
-        <p14:creationId xmlns:p14="http://schemas.microsoft.com/office/powerpoint/2010/main" val="4167678397"/>
+        <p14:creationId xmlns:p14="http://schemas.microsoft.com/office/powerpoint/2010/main" val="3546989728"/>
       </p:ext>
     </p:extLst>
   </p:cSld>
@@ -4323,7 +5533,7 @@
 </p:sld>
 </file>
 
-<file path=ppt/slides/slide4.xml><?xml version="1.0" encoding="utf-8"?>
+<file path=ppt/slides/slide6.xml><?xml version="1.0" encoding="utf-8"?>
 <p:sld xmlns:a="http://schemas.openxmlformats.org/drawingml/2006/main" xmlns:r="http://schemas.openxmlformats.org/officeDocument/2006/relationships" xmlns:p="http://schemas.openxmlformats.org/presentationml/2006/main">
   <p:cSld>
     <p:spTree>
@@ -4415,7 +5625,7 @@
 </p:sld>
 </file>
 
-<file path=ppt/slides/slide5.xml><?xml version="1.0" encoding="utf-8"?>
+<file path=ppt/slides/slide7.xml><?xml version="1.0" encoding="utf-8"?>
 <p:sld xmlns:a="http://schemas.openxmlformats.org/drawingml/2006/main" xmlns:r="http://schemas.openxmlformats.org/officeDocument/2006/relationships" xmlns:p="http://schemas.openxmlformats.org/presentationml/2006/main">
   <p:cSld>
     <p:spTree>
@@ -4591,7 +5801,7 @@
 </p:sld>
 </file>
 
-<file path=ppt/slides/slide6.xml><?xml version="1.0" encoding="utf-8"?>
+<file path=ppt/slides/slide8.xml><?xml version="1.0" encoding="utf-8"?>
 <p:sld xmlns:a="http://schemas.openxmlformats.org/drawingml/2006/main" xmlns:r="http://schemas.openxmlformats.org/officeDocument/2006/relationships" xmlns:p="http://schemas.openxmlformats.org/presentationml/2006/main">
   <p:cSld>
     <p:spTree>
@@ -4741,7 +5951,7 @@
 </p:sld>
 </file>
 
-<file path=ppt/slides/slide7.xml><?xml version="1.0" encoding="utf-8"?>
+<file path=ppt/slides/slide9.xml><?xml version="1.0" encoding="utf-8"?>
 <p:sld xmlns:a="http://schemas.openxmlformats.org/drawingml/2006/main" xmlns:r="http://schemas.openxmlformats.org/officeDocument/2006/relationships" xmlns:p="http://schemas.openxmlformats.org/presentationml/2006/main">
   <p:cSld>
     <p:spTree>
@@ -4824,226 +6034,6 @@
     <p:extLst>
       <p:ext uri="{BB962C8B-B14F-4D97-AF65-F5344CB8AC3E}">
         <p14:creationId xmlns:p14="http://schemas.microsoft.com/office/powerpoint/2010/main" val="2625248366"/>
-      </p:ext>
-    </p:extLst>
-  </p:cSld>
-  <p:clrMapOvr>
-    <a:masterClrMapping/>
-  </p:clrMapOvr>
-</p:sld>
-</file>
-
-<file path=ppt/slides/slide8.xml><?xml version="1.0" encoding="utf-8"?>
-<p:sld xmlns:a="http://schemas.openxmlformats.org/drawingml/2006/main" xmlns:r="http://schemas.openxmlformats.org/officeDocument/2006/relationships" xmlns:p="http://schemas.openxmlformats.org/presentationml/2006/main">
-  <p:cSld>
-    <p:spTree>
-      <p:nvGrpSpPr>
-        <p:cNvPr id="1" name=""/>
-        <p:cNvGrpSpPr/>
-        <p:nvPr/>
-      </p:nvGrpSpPr>
-      <p:grpSpPr>
-        <a:xfrm>
-          <a:off x="0" y="0"/>
-          <a:ext cx="0" cy="0"/>
-          <a:chOff x="0" y="0"/>
-          <a:chExt cx="0" cy="0"/>
-        </a:xfrm>
-      </p:grpSpPr>
-      <p:sp>
-        <p:nvSpPr>
-          <p:cNvPr id="2" name="Title 1">
-            <a:extLst>
-              <a:ext uri="{FF2B5EF4-FFF2-40B4-BE49-F238E27FC236}">
-                <a16:creationId xmlns:a16="http://schemas.microsoft.com/office/drawing/2014/main" id="{C36A86F0-D862-46ED-AF5F-A8529FFADC66}"/>
-              </a:ext>
-            </a:extLst>
-          </p:cNvPr>
-          <p:cNvSpPr>
-            <a:spLocks noGrp="1"/>
-          </p:cNvSpPr>
-          <p:nvPr>
-            <p:ph type="title"/>
-          </p:nvPr>
-        </p:nvSpPr>
-        <p:spPr/>
-        <p:txBody>
-          <a:bodyPr/>
-          <a:lstStyle/>
-          <a:p>
-            <a:r>
-              <a:rPr lang="en-US" dirty="0"/>
-              <a:t>Collaboration Diagram</a:t>
-            </a:r>
-          </a:p>
-        </p:txBody>
-      </p:sp>
-      <p:pic>
-        <p:nvPicPr>
-          <p:cNvPr id="6" name="Content Placeholder 5">
-            <a:extLst>
-              <a:ext uri="{FF2B5EF4-FFF2-40B4-BE49-F238E27FC236}">
-                <a16:creationId xmlns:a16="http://schemas.microsoft.com/office/drawing/2014/main" id="{EB14077F-E0FE-4BB0-9CF3-D1A5F7D89644}"/>
-              </a:ext>
-            </a:extLst>
-          </p:cNvPr>
-          <p:cNvPicPr>
-            <a:picLocks noGrp="1" noChangeAspect="1"/>
-          </p:cNvPicPr>
-          <p:nvPr>
-            <p:ph sz="half" idx="1"/>
-          </p:nvPr>
-        </p:nvPicPr>
-        <p:blipFill>
-          <a:blip r:embed="rId2">
-            <a:extLst>
-              <a:ext uri="{28A0092B-C50C-407E-A947-70E740481C1C}">
-                <a14:useLocalDpi xmlns:a14="http://schemas.microsoft.com/office/drawing/2010/main" val="0"/>
-              </a:ext>
-            </a:extLst>
-          </a:blip>
-          <a:stretch>
-            <a:fillRect/>
-          </a:stretch>
-        </p:blipFill>
-        <p:spPr>
-          <a:xfrm>
-            <a:off x="477450" y="2286000"/>
-            <a:ext cx="6436900" cy="3275112"/>
-          </a:xfrm>
-        </p:spPr>
-      </p:pic>
-      <p:pic>
-        <p:nvPicPr>
-          <p:cNvPr id="8" name="Content Placeholder 7">
-            <a:extLst>
-              <a:ext uri="{FF2B5EF4-FFF2-40B4-BE49-F238E27FC236}">
-                <a16:creationId xmlns:a16="http://schemas.microsoft.com/office/drawing/2014/main" id="{388FD2F0-CBD2-4166-BA93-2A311A61F9BF}"/>
-              </a:ext>
-            </a:extLst>
-          </p:cNvPr>
-          <p:cNvPicPr>
-            <a:picLocks noGrp="1" noChangeAspect="1"/>
-          </p:cNvPicPr>
-          <p:nvPr>
-            <p:ph sz="half" idx="2"/>
-          </p:nvPr>
-        </p:nvPicPr>
-        <p:blipFill>
-          <a:blip r:embed="rId3">
-            <a:extLst>
-              <a:ext uri="{28A0092B-C50C-407E-A947-70E740481C1C}">
-                <a14:useLocalDpi xmlns:a14="http://schemas.microsoft.com/office/drawing/2010/main" val="0"/>
-              </a:ext>
-            </a:extLst>
-          </a:blip>
-          <a:stretch>
-            <a:fillRect/>
-          </a:stretch>
-        </p:blipFill>
-        <p:spPr>
-          <a:xfrm>
-            <a:off x="5579706" y="1559817"/>
-            <a:ext cx="6436900" cy="4441927"/>
-          </a:xfrm>
-        </p:spPr>
-      </p:pic>
-    </p:spTree>
-    <p:extLst>
-      <p:ext uri="{BB962C8B-B14F-4D97-AF65-F5344CB8AC3E}">
-        <p14:creationId xmlns:p14="http://schemas.microsoft.com/office/powerpoint/2010/main" val="1142955567"/>
-      </p:ext>
-    </p:extLst>
-  </p:cSld>
-  <p:clrMapOvr>
-    <a:masterClrMapping/>
-  </p:clrMapOvr>
-</p:sld>
-</file>
-
-<file path=ppt/slides/slide9.xml><?xml version="1.0" encoding="utf-8"?>
-<p:sld xmlns:a="http://schemas.openxmlformats.org/drawingml/2006/main" xmlns:r="http://schemas.openxmlformats.org/officeDocument/2006/relationships" xmlns:p="http://schemas.openxmlformats.org/presentationml/2006/main">
-  <p:cSld>
-    <p:spTree>
-      <p:nvGrpSpPr>
-        <p:cNvPr id="1" name=""/>
-        <p:cNvGrpSpPr/>
-        <p:nvPr/>
-      </p:nvGrpSpPr>
-      <p:grpSpPr>
-        <a:xfrm>
-          <a:off x="0" y="0"/>
-          <a:ext cx="0" cy="0"/>
-          <a:chOff x="0" y="0"/>
-          <a:chExt cx="0" cy="0"/>
-        </a:xfrm>
-      </p:grpSpPr>
-      <p:sp>
-        <p:nvSpPr>
-          <p:cNvPr id="2" name="Title 1">
-            <a:extLst>
-              <a:ext uri="{FF2B5EF4-FFF2-40B4-BE49-F238E27FC236}">
-                <a16:creationId xmlns:a16="http://schemas.microsoft.com/office/drawing/2014/main" id="{26667C27-B8F7-4020-B3AF-B4F0E71D7057}"/>
-              </a:ext>
-            </a:extLst>
-          </p:cNvPr>
-          <p:cNvSpPr>
-            <a:spLocks noGrp="1"/>
-          </p:cNvSpPr>
-          <p:nvPr>
-            <p:ph type="title"/>
-          </p:nvPr>
-        </p:nvSpPr>
-        <p:spPr/>
-        <p:txBody>
-          <a:bodyPr/>
-          <a:lstStyle/>
-          <a:p>
-            <a:r>
-              <a:rPr lang="en-US" dirty="0"/>
-              <a:t>Sequence Diagram</a:t>
-            </a:r>
-          </a:p>
-        </p:txBody>
-      </p:sp>
-      <p:pic>
-        <p:nvPicPr>
-          <p:cNvPr id="7" name="Content Placeholder 6">
-            <a:extLst>
-              <a:ext uri="{FF2B5EF4-FFF2-40B4-BE49-F238E27FC236}">
-                <a16:creationId xmlns:a16="http://schemas.microsoft.com/office/drawing/2014/main" id="{0AF1D393-2B35-4D74-AFA4-13DF0105A2E0}"/>
-              </a:ext>
-            </a:extLst>
-          </p:cNvPr>
-          <p:cNvPicPr>
-            <a:picLocks noGrp="1" noChangeAspect="1"/>
-          </p:cNvPicPr>
-          <p:nvPr>
-            <p:ph idx="1"/>
-          </p:nvPr>
-        </p:nvPicPr>
-        <p:blipFill rotWithShape="1">
-          <a:blip r:embed="rId2">
-            <a:extLst>
-              <a:ext uri="{28A0092B-C50C-407E-A947-70E740481C1C}">
-                <a14:useLocalDpi xmlns:a14="http://schemas.microsoft.com/office/drawing/2010/main" val="0"/>
-              </a:ext>
-            </a:extLst>
-          </a:blip>
-          <a:srcRect b="12526"/>
-          <a:stretch/>
-        </p:blipFill>
-        <p:spPr>
-          <a:xfrm>
-            <a:off x="615820" y="1846263"/>
-            <a:ext cx="10058400" cy="4784380"/>
-          </a:xfrm>
-        </p:spPr>
-      </p:pic>
-    </p:spTree>
-    <p:extLst>
-      <p:ext uri="{BB962C8B-B14F-4D97-AF65-F5344CB8AC3E}">
-        <p14:creationId xmlns:p14="http://schemas.microsoft.com/office/powerpoint/2010/main" val="2124511276"/>
       </p:ext>
     </p:extLst>
   </p:cSld>
